--- a/Java Урок 20 Колекції. Iterable Comparator.pptx
+++ b/Java Урок 20 Колекції. Iterable Comparator.pptx
@@ -216,7 +216,7 @@
           <a:p>
             <a:fld id="{58363F95-B9B4-4047-906D-B977243DB208}" type="datetimeFigureOut">
               <a:rPr lang="uk-UA" smtClean="0"/>
-              <a:t>06.01.2024</a:t>
+              <a:t>12.01.2024</a:t>
             </a:fld>
             <a:endParaRPr lang="uk-UA"/>
           </a:p>
@@ -1287,7 +1287,7 @@
           <a:p>
             <a:fld id="{6ECF366F-601B-4BAD-881D-68CDC7399467}" type="datetimeFigureOut">
               <a:rPr lang="uk-UA" smtClean="0"/>
-              <a:t>06.01.2024</a:t>
+              <a:t>12.01.2024</a:t>
             </a:fld>
             <a:endParaRPr lang="uk-UA"/>
           </a:p>
@@ -1487,7 +1487,7 @@
           <a:p>
             <a:fld id="{6ECF366F-601B-4BAD-881D-68CDC7399467}" type="datetimeFigureOut">
               <a:rPr lang="uk-UA" smtClean="0"/>
-              <a:t>06.01.2024</a:t>
+              <a:t>12.01.2024</a:t>
             </a:fld>
             <a:endParaRPr lang="uk-UA"/>
           </a:p>
@@ -1697,7 +1697,7 @@
           <a:p>
             <a:fld id="{6ECF366F-601B-4BAD-881D-68CDC7399467}" type="datetimeFigureOut">
               <a:rPr lang="uk-UA" smtClean="0"/>
-              <a:t>06.01.2024</a:t>
+              <a:t>12.01.2024</a:t>
             </a:fld>
             <a:endParaRPr lang="uk-UA"/>
           </a:p>
@@ -2020,7 +2020,7 @@
           <a:p>
             <a:fld id="{6ECF366F-601B-4BAD-881D-68CDC7399467}" type="datetimeFigureOut">
               <a:rPr lang="uk-UA" smtClean="0"/>
-              <a:t>06.01.2024</a:t>
+              <a:t>12.01.2024</a:t>
             </a:fld>
             <a:endParaRPr lang="uk-UA"/>
           </a:p>
@@ -2296,7 +2296,7 @@
           <a:p>
             <a:fld id="{6ECF366F-601B-4BAD-881D-68CDC7399467}" type="datetimeFigureOut">
               <a:rPr lang="uk-UA" smtClean="0"/>
-              <a:t>06.01.2024</a:t>
+              <a:t>12.01.2024</a:t>
             </a:fld>
             <a:endParaRPr lang="uk-UA"/>
           </a:p>
@@ -2564,7 +2564,7 @@
           <a:p>
             <a:fld id="{6ECF366F-601B-4BAD-881D-68CDC7399467}" type="datetimeFigureOut">
               <a:rPr lang="uk-UA" smtClean="0"/>
-              <a:t>06.01.2024</a:t>
+              <a:t>12.01.2024</a:t>
             </a:fld>
             <a:endParaRPr lang="uk-UA"/>
           </a:p>
@@ -2979,7 +2979,7 @@
           <a:p>
             <a:fld id="{6ECF366F-601B-4BAD-881D-68CDC7399467}" type="datetimeFigureOut">
               <a:rPr lang="uk-UA" smtClean="0"/>
-              <a:t>06.01.2024</a:t>
+              <a:t>12.01.2024</a:t>
             </a:fld>
             <a:endParaRPr lang="uk-UA"/>
           </a:p>
@@ -3121,7 +3121,7 @@
           <a:p>
             <a:fld id="{6ECF366F-601B-4BAD-881D-68CDC7399467}" type="datetimeFigureOut">
               <a:rPr lang="uk-UA" smtClean="0"/>
-              <a:t>06.01.2024</a:t>
+              <a:t>12.01.2024</a:t>
             </a:fld>
             <a:endParaRPr lang="uk-UA"/>
           </a:p>
@@ -3234,7 +3234,7 @@
           <a:p>
             <a:fld id="{6ECF366F-601B-4BAD-881D-68CDC7399467}" type="datetimeFigureOut">
               <a:rPr lang="uk-UA" smtClean="0"/>
-              <a:t>06.01.2024</a:t>
+              <a:t>12.01.2024</a:t>
             </a:fld>
             <a:endParaRPr lang="uk-UA"/>
           </a:p>
@@ -3547,7 +3547,7 @@
           <a:p>
             <a:fld id="{6ECF366F-601B-4BAD-881D-68CDC7399467}" type="datetimeFigureOut">
               <a:rPr lang="uk-UA" smtClean="0"/>
-              <a:t>06.01.2024</a:t>
+              <a:t>12.01.2024</a:t>
             </a:fld>
             <a:endParaRPr lang="uk-UA"/>
           </a:p>
@@ -3836,7 +3836,7 @@
           <a:p>
             <a:fld id="{6ECF366F-601B-4BAD-881D-68CDC7399467}" type="datetimeFigureOut">
               <a:rPr lang="uk-UA" smtClean="0"/>
-              <a:t>06.01.2024</a:t>
+              <a:t>12.01.2024</a:t>
             </a:fld>
             <a:endParaRPr lang="uk-UA"/>
           </a:p>
@@ -4079,7 +4079,7 @@
           <a:p>
             <a:fld id="{6ECF366F-601B-4BAD-881D-68CDC7399467}" type="datetimeFigureOut">
               <a:rPr lang="uk-UA" smtClean="0"/>
-              <a:t>06.01.2024</a:t>
+              <a:t>12.01.2024</a:t>
             </a:fld>
             <a:endParaRPr lang="uk-UA"/>
           </a:p>
@@ -6076,7 +6076,7 @@
           <a:graphicData uri="http://schemas.openxmlformats.org/presentationml/2006/ole">
             <mc:AlternateContent xmlns:mc="http://schemas.openxmlformats.org/markup-compatibility/2006">
               <mc:Choice xmlns:v="urn:schemas-microsoft-com:vml" Requires="v">
-                <p:oleObj spid="_x0000_s3074" name="Visio" r:id="rId3" imgW="2876769" imgH="295568" progId="Visio.Drawing.11">
+                <p:oleObj spid="_x0000_s3076" name="Visio" r:id="rId3" imgW="2876769" imgH="295568" progId="Visio.Drawing.11">
                   <p:embed/>
                 </p:oleObj>
               </mc:Choice>
@@ -6153,7 +6153,7 @@
           <a:graphicData uri="http://schemas.openxmlformats.org/presentationml/2006/ole">
             <mc:AlternateContent xmlns:mc="http://schemas.openxmlformats.org/markup-compatibility/2006">
               <mc:Choice xmlns:v="urn:schemas-microsoft-com:vml" Requires="v">
-                <p:oleObj spid="_x0000_s3075" name="Visio" r:id="rId5" imgW="4257888" imgH="1819497" progId="Visio.Drawing.11">
+                <p:oleObj spid="_x0000_s3077" name="Visio" r:id="rId5" imgW="4257888" imgH="1819497" progId="Visio.Drawing.11">
                   <p:embed/>
                 </p:oleObj>
               </mc:Choice>
@@ -6304,7 +6304,7 @@
           <a:graphicData uri="http://schemas.openxmlformats.org/presentationml/2006/ole">
             <mc:AlternateContent xmlns:mc="http://schemas.openxmlformats.org/markup-compatibility/2006">
               <mc:Choice xmlns:v="urn:schemas-microsoft-com:vml" Requires="v">
-                <p:oleObj spid="_x0000_s4098" name="Visio" r:id="rId4" imgW="4257888" imgH="1819497" progId="Visio.Drawing.11">
+                <p:oleObj spid="_x0000_s4101" name="Visio" r:id="rId4" imgW="4257888" imgH="1819497" progId="Visio.Drawing.11">
                   <p:embed/>
                 </p:oleObj>
               </mc:Choice>
@@ -6381,7 +6381,7 @@
           <a:graphicData uri="http://schemas.openxmlformats.org/presentationml/2006/ole">
             <mc:AlternateContent xmlns:mc="http://schemas.openxmlformats.org/markup-compatibility/2006">
               <mc:Choice xmlns:v="urn:schemas-microsoft-com:vml" Requires="v">
-                <p:oleObj spid="_x0000_s4099" name="Visio" r:id="rId6" imgW="4723425" imgH="1058140" progId="Visio.Drawing.11">
+                <p:oleObj spid="_x0000_s4102" name="Visio" r:id="rId6" imgW="4723425" imgH="1058140" progId="Visio.Drawing.11">
                   <p:embed/>
                 </p:oleObj>
               </mc:Choice>
@@ -6685,7 +6685,7 @@
           <a:graphicData uri="http://schemas.openxmlformats.org/presentationml/2006/ole">
             <mc:AlternateContent xmlns:mc="http://schemas.openxmlformats.org/markup-compatibility/2006">
               <mc:Choice xmlns:v="urn:schemas-microsoft-com:vml" Requires="v">
-                <p:oleObj spid="_x0000_s4100" name="Visio" r:id="rId8" imgW="2876769" imgH="295568" progId="Visio.Drawing.11">
+                <p:oleObj spid="_x0000_s4103" name="Visio" r:id="rId8" imgW="2876769" imgH="295568" progId="Visio.Drawing.11">
                   <p:embed/>
                 </p:oleObj>
               </mc:Choice>
@@ -6843,7 +6843,7 @@
           <a:graphicData uri="http://schemas.openxmlformats.org/presentationml/2006/ole">
             <mc:AlternateContent xmlns:mc="http://schemas.openxmlformats.org/markup-compatibility/2006">
               <mc:Choice xmlns:v="urn:schemas-microsoft-com:vml" Requires="v">
-                <p:oleObj spid="_x0000_s5122" name="Visio" r:id="rId3" imgW="4639474" imgH="2399170" progId="Visio.Drawing.11">
+                <p:oleObj spid="_x0000_s5125" name="Visio" r:id="rId3" imgW="4639474" imgH="2399170" progId="Visio.Drawing.11">
                   <p:embed/>
                 </p:oleObj>
               </mc:Choice>
@@ -6926,7 +6926,7 @@
           <a:graphicData uri="http://schemas.openxmlformats.org/presentationml/2006/ole">
             <mc:AlternateContent xmlns:mc="http://schemas.openxmlformats.org/markup-compatibility/2006">
               <mc:Choice xmlns:v="urn:schemas-microsoft-com:vml" Requires="v">
-                <p:oleObj spid="_x0000_s5123" name="Visio" r:id="rId5" imgW="4257888" imgH="1990749" progId="Visio.Drawing.11">
+                <p:oleObj spid="_x0000_s5126" name="Visio" r:id="rId5" imgW="4257888" imgH="1990749" progId="Visio.Drawing.11">
                   <p:embed/>
                 </p:oleObj>
               </mc:Choice>
@@ -7224,7 +7224,7 @@
           <a:graphicData uri="http://schemas.openxmlformats.org/presentationml/2006/ole">
             <mc:AlternateContent xmlns:mc="http://schemas.openxmlformats.org/markup-compatibility/2006">
               <mc:Choice xmlns:v="urn:schemas-microsoft-com:vml" Requires="v">
-                <p:oleObj spid="_x0000_s5124" name="Visio" r:id="rId7" imgW="1133528" imgH="1057533" progId="Visio.Drawing.11">
+                <p:oleObj spid="_x0000_s5127" name="Visio" r:id="rId7" imgW="1133528" imgH="1057533" progId="Visio.Drawing.11">
                   <p:embed/>
                 </p:oleObj>
               </mc:Choice>
@@ -11198,8 +11198,8 @@
         </p:nvSpPr>
         <p:spPr bwMode="auto">
           <a:xfrm>
-            <a:off x="8306586" y="1985471"/>
-            <a:ext cx="3100633" cy="1182274"/>
+            <a:off x="7664384" y="2045370"/>
+            <a:ext cx="4279770" cy="966830"/>
           </a:xfrm>
           <a:prstGeom prst="rect">
             <a:avLst/>
@@ -17069,7 +17069,7 @@
           <a:graphicData uri="http://schemas.openxmlformats.org/presentationml/2006/ole">
             <mc:AlternateContent xmlns:mc="http://schemas.openxmlformats.org/markup-compatibility/2006">
               <mc:Choice xmlns:v="urn:schemas-microsoft-com:vml" Requires="v">
-                <p:oleObj spid="_x0000_s1074" name="Visio" r:id="rId3" imgW="5005784" imgH="2161628" progId="Visio.Drawing.11">
+                <p:oleObj spid="_x0000_s1075" name="Visio" r:id="rId3" imgW="5005784" imgH="2161628" progId="Visio.Drawing.11">
                   <p:embed/>
                 </p:oleObj>
               </mc:Choice>
